--- a/documentatie/Amstelhaege.pptx
+++ b/documentatie/Amstelhaege.pptx
@@ -10,15 +10,19 @@
     <p:sldId id="258" r:id="rId4"/>
     <p:sldId id="259" r:id="rId5"/>
     <p:sldId id="260" r:id="rId6"/>
-    <p:sldId id="261" r:id="rId7"/>
-    <p:sldId id="262" r:id="rId8"/>
-    <p:sldId id="263" r:id="rId9"/>
-    <p:sldId id="264" r:id="rId10"/>
-    <p:sldId id="265" r:id="rId11"/>
-    <p:sldId id="266" r:id="rId12"/>
-    <p:sldId id="267" r:id="rId13"/>
-    <p:sldId id="268" r:id="rId14"/>
-    <p:sldId id="269" r:id="rId15"/>
+    <p:sldId id="262" r:id="rId7"/>
+    <p:sldId id="263" r:id="rId8"/>
+    <p:sldId id="264" r:id="rId9"/>
+    <p:sldId id="270" r:id="rId10"/>
+    <p:sldId id="268" r:id="rId11"/>
+    <p:sldId id="265" r:id="rId12"/>
+    <p:sldId id="271" r:id="rId13"/>
+    <p:sldId id="266" r:id="rId14"/>
+    <p:sldId id="267" r:id="rId15"/>
+    <p:sldId id="269" r:id="rId16"/>
+    <p:sldId id="272" r:id="rId17"/>
+    <p:sldId id="273" r:id="rId18"/>
+    <p:sldId id="274" r:id="rId19"/>
   </p:sldIdLst>
   <p:sldSz cx="12192000" cy="6858000"/>
   <p:notesSz cx="6858000" cy="9144000"/>
@@ -117,6 +121,11 @@
       </a:defRPr>
     </a:lvl9pPr>
   </p:defaultTextStyle>
+  <p:extLst>
+    <p:ext uri="{EFAFB233-063F-42B5-8137-9DF3F51BA10A}">
+      <p15:sldGuideLst xmlns:p15="http://schemas.microsoft.com/office/powerpoint/2012/main"/>
+    </p:ext>
+  </p:extLst>
 </p:presentation>
 </file>
 
@@ -3119,7 +3128,7 @@
           <a:p>
             <a:r>
               <a:rPr lang="en-US" sz="6000" dirty="0" err="1" smtClean="0"/>
-              <a:t>Schuiven</a:t>
+              <a:t>Hillclimber</a:t>
             </a:r>
             <a:endParaRPr lang="en-US" sz="6000" dirty="0"/>
           </a:p>
@@ -3140,103 +3149,22 @@
           <a:bodyPr/>
           <a:lstStyle/>
           <a:p>
-            <a:pPr lvl="1"/>
-            <a:r>
-              <a:rPr lang="en-US" sz="3600" dirty="0"/>
-              <a:t> </a:t>
-            </a:r>
-            <a:r>
-              <a:rPr lang="en-US" sz="3600" dirty="0" err="1"/>
-              <a:t>Bouw</a:t>
-            </a:r>
-            <a:r>
-              <a:rPr lang="en-US" sz="3600" dirty="0"/>
-              <a:t> </a:t>
-            </a:r>
-            <a:r>
-              <a:rPr lang="en-US" sz="3600" dirty="0" err="1"/>
-              <a:t>willekeurige</a:t>
-            </a:r>
-            <a:r>
-              <a:rPr lang="en-US" sz="3600" dirty="0"/>
-              <a:t> </a:t>
-            </a:r>
-            <a:r>
-              <a:rPr lang="en-US" sz="3600" dirty="0" err="1"/>
-              <a:t>kaart</a:t>
-            </a:r>
-            <a:endParaRPr lang="en-US" sz="3600" dirty="0"/>
-          </a:p>
-          <a:p>
             <a:pPr lvl="2"/>
             <a:r>
-              <a:rPr lang="en-US" sz="3600" dirty="0" err="1"/>
-              <a:t>Kies</a:t>
-            </a:r>
-            <a:r>
-              <a:rPr lang="en-US" sz="3600" dirty="0"/>
-              <a:t> </a:t>
-            </a:r>
-            <a:r>
-              <a:rPr lang="en-US" sz="3600" dirty="0" err="1"/>
-              <a:t>een</a:t>
-            </a:r>
-            <a:r>
-              <a:rPr lang="en-US" sz="3600" dirty="0"/>
-              <a:t> huis</a:t>
+              <a:rPr lang="nl-NL" sz="3600" dirty="0" smtClean="0"/>
+              <a:t>Altijd </a:t>
+            </a:r>
+            <a:r>
+              <a:rPr lang="nl-NL" sz="3600" dirty="0"/>
+              <a:t>omhoog: alleen verbeteringen accepteren</a:t>
             </a:r>
           </a:p>
           <a:p>
             <a:pPr lvl="2"/>
             <a:r>
-              <a:rPr lang="en-US" sz="3600" dirty="0" err="1"/>
-              <a:t>Bereken</a:t>
-            </a:r>
-            <a:r>
-              <a:rPr lang="en-US" sz="3600" dirty="0"/>
-              <a:t> </a:t>
-            </a:r>
-            <a:r>
-              <a:rPr lang="en-US" sz="3600" dirty="0" err="1"/>
-              <a:t>vrijstand</a:t>
-            </a:r>
-            <a:endParaRPr lang="en-US" sz="3600" dirty="0"/>
-          </a:p>
-          <a:p>
-            <a:pPr lvl="2"/>
-            <a:r>
               <a:rPr lang="nl-NL" sz="3600" dirty="0"/>
-              <a:t>Schuif huis binnen deze </a:t>
-            </a:r>
-            <a:r>
-              <a:rPr lang="nl-NL" sz="3600" dirty="0" err="1"/>
-              <a:t>vrijstand</a:t>
-            </a:r>
-            <a:endParaRPr lang="nl-NL" sz="3600" dirty="0"/>
-          </a:p>
-          <a:p>
-            <a:pPr lvl="2"/>
-            <a:r>
-              <a:rPr lang="en-US" sz="3600" dirty="0" err="1" smtClean="0"/>
-              <a:t>Evalueren</a:t>
-            </a:r>
-            <a:r>
-              <a:rPr lang="en-US" sz="3600" dirty="0" smtClean="0"/>
-              <a:t>: </a:t>
-            </a:r>
-            <a:r>
-              <a:rPr lang="en-US" sz="3600" dirty="0" err="1"/>
-              <a:t>beter</a:t>
-            </a:r>
-            <a:r>
-              <a:rPr lang="en-US" sz="3600" dirty="0"/>
-              <a:t> = </a:t>
-            </a:r>
-            <a:r>
-              <a:rPr lang="en-US" sz="3600" dirty="0" err="1"/>
-              <a:t>bewaren</a:t>
-            </a:r>
-            <a:endParaRPr lang="en-US" sz="3600" dirty="0"/>
+              <a:t>Random telt niet: geen verbeteringen binnen dezelfde kaart</a:t>
+            </a:r>
           </a:p>
           <a:p>
             <a:endParaRPr lang="en-US" dirty="0"/>
@@ -3246,7 +3174,7 @@
     </p:spTree>
     <p:extLst>
       <p:ext uri="{BB962C8B-B14F-4D97-AF65-F5344CB8AC3E}">
-        <p14:creationId xmlns:p14="http://schemas.microsoft.com/office/powerpoint/2010/main" val="2723322891"/>
+        <p14:creationId xmlns:p14="http://schemas.microsoft.com/office/powerpoint/2010/main" val="1657093583"/>
       </p:ext>
     </p:extLst>
   </p:cSld>
@@ -3299,7 +3227,7 @@
           <a:p>
             <a:r>
               <a:rPr lang="en-US" sz="6000" dirty="0" err="1" smtClean="0"/>
-              <a:t>Omwisselen</a:t>
+              <a:t>Schuiven</a:t>
             </a:r>
             <a:endParaRPr lang="en-US" sz="6000" dirty="0"/>
           </a:p>
@@ -3355,19 +3283,22 @@
             </a:r>
             <a:r>
               <a:rPr lang="en-US" sz="3600" dirty="0"/>
-              <a:t> twee </a:t>
+              <a:t> </a:t>
             </a:r>
             <a:r>
               <a:rPr lang="en-US" sz="3600" dirty="0" err="1"/>
-              <a:t>huizen</a:t>
-            </a:r>
-            <a:endParaRPr lang="en-US" sz="3600" dirty="0"/>
+              <a:t>een</a:t>
+            </a:r>
+            <a:r>
+              <a:rPr lang="en-US" sz="3600" dirty="0"/>
+              <a:t> huis</a:t>
+            </a:r>
           </a:p>
           <a:p>
             <a:pPr lvl="2"/>
             <a:r>
               <a:rPr lang="en-US" sz="3600" dirty="0" err="1"/>
-              <a:t>Wissel</a:t>
+              <a:t>Bereken</a:t>
             </a:r>
             <a:r>
               <a:rPr lang="en-US" sz="3600" dirty="0"/>
@@ -3375,18 +3306,35 @@
             </a:r>
             <a:r>
               <a:rPr lang="en-US" sz="3600" dirty="0" err="1"/>
-              <a:t>deze</a:t>
-            </a:r>
-            <a:r>
-              <a:rPr lang="en-US" sz="3600" dirty="0"/>
-              <a:t> om</a:t>
-            </a:r>
+              <a:t>vrijstand</a:t>
+            </a:r>
+            <a:endParaRPr lang="en-US" sz="3600" dirty="0"/>
           </a:p>
           <a:p>
             <a:pPr lvl="2"/>
             <a:r>
+              <a:rPr lang="nl-NL" sz="3600" dirty="0"/>
+              <a:t>Schuif huis binnen deze </a:t>
+            </a:r>
+            <a:r>
+              <a:rPr lang="nl-NL" sz="3600" dirty="0" err="1"/>
+              <a:t>vrijstand</a:t>
+            </a:r>
+            <a:endParaRPr lang="nl-NL" sz="3600" dirty="0"/>
+          </a:p>
+          <a:p>
+            <a:pPr lvl="2"/>
+            <a:r>
+              <a:rPr lang="en-US" sz="3600" dirty="0" err="1" smtClean="0"/>
+              <a:t>Evalueren</a:t>
+            </a:r>
+            <a:r>
+              <a:rPr lang="en-US" sz="3600" dirty="0" smtClean="0"/>
+              <a:t>: </a:t>
+            </a:r>
+            <a:r>
               <a:rPr lang="en-US" sz="3600" dirty="0" err="1"/>
-              <a:t>Beter</a:t>
+              <a:t>beter</a:t>
             </a:r>
             <a:r>
               <a:rPr lang="en-US" sz="3600" dirty="0"/>
@@ -3394,7 +3342,7 @@
             </a:r>
             <a:r>
               <a:rPr lang="en-US" sz="3600" dirty="0" err="1"/>
-              <a:t>Bewaren</a:t>
+              <a:t>bewaren</a:t>
             </a:r>
             <a:endParaRPr lang="en-US" sz="3600" dirty="0"/>
           </a:p>
@@ -3406,7 +3354,7 @@
     </p:spTree>
     <p:extLst>
       <p:ext uri="{BB962C8B-B14F-4D97-AF65-F5344CB8AC3E}">
-        <p14:creationId xmlns:p14="http://schemas.microsoft.com/office/powerpoint/2010/main" val="106683034"/>
+        <p14:creationId xmlns:p14="http://schemas.microsoft.com/office/powerpoint/2010/main" val="2723322891"/>
       </p:ext>
     </p:extLst>
   </p:cSld>
@@ -3456,211 +3404,52 @@
           <a:lstStyle/>
           <a:p>
             <a:r>
-              <a:rPr lang="en-US" dirty="0" err="1" smtClean="0"/>
-              <a:t>Nadelen</a:t>
-            </a:r>
-            <a:r>
-              <a:rPr lang="en-US" dirty="0" smtClean="0"/>
-              <a:t> </a:t>
-            </a:r>
-            <a:r>
-              <a:rPr lang="en-US" dirty="0" err="1" smtClean="0"/>
+              <a:rPr lang="nl-NL" sz="6000" dirty="0" smtClean="0"/>
               <a:t>Schuiven</a:t>
             </a:r>
-            <a:r>
-              <a:rPr lang="en-US" dirty="0" smtClean="0"/>
-              <a:t> </a:t>
-            </a:r>
-            <a:r>
-              <a:rPr lang="en-US" dirty="0" err="1" smtClean="0"/>
-              <a:t>en</a:t>
-            </a:r>
-            <a:r>
-              <a:rPr lang="en-US" dirty="0" smtClean="0"/>
-              <a:t> </a:t>
-            </a:r>
-            <a:r>
-              <a:rPr lang="en-US" dirty="0" err="1" smtClean="0"/>
-              <a:t>Omwisselen</a:t>
-            </a:r>
-            <a:endParaRPr lang="en-US" dirty="0"/>
-          </a:p>
-        </p:txBody>
-      </p:sp>
-      <p:sp>
-        <p:nvSpPr>
-          <p:cNvPr id="3" name="Tijdelijke aanduiding voor inhoud 2"/>
-          <p:cNvSpPr>
-            <a:spLocks noGrp="1"/>
-          </p:cNvSpPr>
+            <a:endParaRPr lang="nl-NL" sz="6000" dirty="0"/>
+          </a:p>
+        </p:txBody>
+      </p:sp>
+      <p:pic>
+        <p:nvPicPr>
+          <p:cNvPr id="4" name="Tijdelijke aanduiding voor inhoud 3"/>
+          <p:cNvPicPr>
+            <a:picLocks noGrp="1" noChangeAspect="1"/>
+          </p:cNvPicPr>
           <p:nvPr>
             <p:ph idx="1"/>
           </p:nvPr>
-        </p:nvSpPr>
-        <p:spPr/>
-        <p:txBody>
-          <a:bodyPr/>
-          <a:lstStyle/>
-          <a:p>
-            <a:pPr lvl="1"/>
-            <a:r>
-              <a:rPr lang="en-US" sz="3600" dirty="0"/>
-              <a:t> </a:t>
-            </a:r>
-            <a:r>
-              <a:rPr lang="en-US" sz="3600" dirty="0" err="1"/>
-              <a:t>Beperkte</a:t>
-            </a:r>
-            <a:r>
-              <a:rPr lang="en-US" sz="3600" dirty="0"/>
-              <a:t> </a:t>
-            </a:r>
-            <a:r>
-              <a:rPr lang="en-US" sz="3600" dirty="0" err="1"/>
-              <a:t>waardeverbetering</a:t>
-            </a:r>
-            <a:endParaRPr lang="en-US" sz="3600" dirty="0"/>
-          </a:p>
-          <a:p>
-            <a:pPr lvl="1"/>
-            <a:r>
-              <a:rPr lang="en-US" sz="3600" dirty="0"/>
-              <a:t> </a:t>
-            </a:r>
-            <a:r>
-              <a:rPr lang="en-US" sz="3600" dirty="0" err="1"/>
-              <a:t>Omwisselen</a:t>
-            </a:r>
-            <a:r>
-              <a:rPr lang="en-US" sz="3600" dirty="0"/>
-              <a:t>: </a:t>
-            </a:r>
-            <a:r>
-              <a:rPr lang="en-US" sz="3600" dirty="0" err="1"/>
-              <a:t>vrije</a:t>
-            </a:r>
-            <a:r>
-              <a:rPr lang="en-US" sz="3600" dirty="0"/>
-              <a:t> </a:t>
-            </a:r>
-            <a:r>
-              <a:rPr lang="en-US" sz="3600" dirty="0" err="1"/>
-              <a:t>ruimte</a:t>
-            </a:r>
-            <a:r>
-              <a:rPr lang="en-US" sz="3600" dirty="0"/>
-              <a:t> </a:t>
-            </a:r>
-            <a:r>
-              <a:rPr lang="en-US" sz="3600" dirty="0" err="1" smtClean="0"/>
-              <a:t>onbenut</a:t>
-            </a:r>
-            <a:endParaRPr lang="en-US" sz="3600" dirty="0" smtClean="0"/>
-          </a:p>
-          <a:p>
-            <a:pPr lvl="2"/>
-            <a:r>
-              <a:rPr lang="en-US" sz="3200" dirty="0" err="1" smtClean="0"/>
-              <a:t>Verder</a:t>
-            </a:r>
-            <a:r>
-              <a:rPr lang="en-US" sz="3200" dirty="0" smtClean="0"/>
-              <a:t> </a:t>
-            </a:r>
-            <a:r>
-              <a:rPr lang="en-US" sz="3200" dirty="0" err="1" smtClean="0"/>
-              <a:t>niet</a:t>
-            </a:r>
-            <a:r>
-              <a:rPr lang="en-US" sz="3200" dirty="0" smtClean="0"/>
-              <a:t> </a:t>
-            </a:r>
-            <a:r>
-              <a:rPr lang="en-US" sz="3200" dirty="0" err="1" smtClean="0"/>
-              <a:t>afdoende</a:t>
-            </a:r>
-            <a:r>
-              <a:rPr lang="en-US" sz="3200" dirty="0" smtClean="0"/>
-              <a:t> </a:t>
-            </a:r>
-            <a:r>
-              <a:rPr lang="en-US" sz="3200" dirty="0" err="1" smtClean="0"/>
-              <a:t>bruikbare</a:t>
-            </a:r>
-            <a:r>
-              <a:rPr lang="en-US" sz="3200" dirty="0" smtClean="0"/>
-              <a:t> of </a:t>
-            </a:r>
-            <a:r>
-              <a:rPr lang="en-US" sz="3200" dirty="0" err="1" smtClean="0"/>
-              <a:t>veelbelovende</a:t>
-            </a:r>
-            <a:r>
-              <a:rPr lang="en-US" sz="3200" dirty="0" smtClean="0"/>
-              <a:t> </a:t>
-            </a:r>
-            <a:r>
-              <a:rPr lang="en-US" sz="3200" dirty="0" err="1" smtClean="0"/>
-              <a:t>resultaten</a:t>
-            </a:r>
-            <a:r>
-              <a:rPr lang="en-US" sz="3200" dirty="0" smtClean="0"/>
-              <a:t> </a:t>
-            </a:r>
-            <a:r>
-              <a:rPr lang="en-US" sz="3200" dirty="0" err="1" smtClean="0"/>
-              <a:t>voor</a:t>
-            </a:r>
-            <a:r>
-              <a:rPr lang="en-US" sz="3200" dirty="0" smtClean="0"/>
-              <a:t> </a:t>
-            </a:r>
-            <a:r>
-              <a:rPr lang="en-US" sz="3200" dirty="0" err="1" smtClean="0"/>
-              <a:t>verder</a:t>
-            </a:r>
-            <a:r>
-              <a:rPr lang="en-US" sz="3200" dirty="0" smtClean="0"/>
-              <a:t> </a:t>
-            </a:r>
-            <a:r>
-              <a:rPr lang="en-US" sz="3200" dirty="0" err="1" smtClean="0"/>
-              <a:t>ontwikkeling</a:t>
-            </a:r>
-            <a:endParaRPr lang="en-US" sz="3200" dirty="0"/>
-          </a:p>
-          <a:p>
-            <a:pPr lvl="1"/>
-            <a:r>
-              <a:rPr lang="nl-NL" sz="3600" dirty="0"/>
-              <a:t> Schuiven: huizen belanden op optima voor huidige opstelling</a:t>
-            </a:r>
-          </a:p>
-          <a:p>
-            <a:pPr marL="0" indent="0">
-              <a:buNone/>
-            </a:pPr>
-            <a:endParaRPr lang="en-US" dirty="0"/>
-          </a:p>
-        </p:txBody>
-      </p:sp>
+        </p:nvPicPr>
+        <p:blipFill>
+          <a:blip r:embed="rId2" cstate="print">
+            <a:extLst>
+              <a:ext uri="{28A0092B-C50C-407E-A947-70E740481C1C}">
+                <a14:useLocalDpi xmlns:a14="http://schemas.microsoft.com/office/drawing/2010/main" val="0"/>
+              </a:ext>
+            </a:extLst>
+          </a:blip>
+          <a:stretch>
+            <a:fillRect/>
+          </a:stretch>
+        </p:blipFill>
+        <p:spPr>
+          <a:xfrm>
+            <a:off x="3745176" y="1825625"/>
+            <a:ext cx="4701648" cy="4351338"/>
+          </a:xfrm>
+        </p:spPr>
+      </p:pic>
     </p:spTree>
     <p:extLst>
       <p:ext uri="{BB962C8B-B14F-4D97-AF65-F5344CB8AC3E}">
-        <p14:creationId xmlns:p14="http://schemas.microsoft.com/office/powerpoint/2010/main" val="3484511328"/>
+        <p14:creationId xmlns:p14="http://schemas.microsoft.com/office/powerpoint/2010/main" val="1126293107"/>
       </p:ext>
     </p:extLst>
   </p:cSld>
   <p:clrMapOvr>
     <a:masterClrMapping/>
   </p:clrMapOvr>
-  <p:timing>
-    <p:tnLst>
-      <p:par>
-        <p:cTn id="1" dur="indefinite" restart="never" nodeType="tmRoot"/>
-      </p:par>
-    </p:tnLst>
-  </p:timing>
 </p:sld>
 </file>
 
@@ -3700,7 +3489,7 @@
           <a:p>
             <a:r>
               <a:rPr lang="en-US" sz="6000" dirty="0" err="1" smtClean="0"/>
-              <a:t>Hillclimber</a:t>
+              <a:t>Omwisselen</a:t>
             </a:r>
             <a:endParaRPr lang="en-US" sz="6000" dirty="0"/>
           </a:p>
@@ -3721,22 +3510,83 @@
           <a:bodyPr/>
           <a:lstStyle/>
           <a:p>
+            <a:pPr lvl="1"/>
+            <a:r>
+              <a:rPr lang="en-US" sz="3600" dirty="0"/>
+              <a:t> </a:t>
+            </a:r>
+            <a:r>
+              <a:rPr lang="en-US" sz="3600" dirty="0" err="1"/>
+              <a:t>Bouw</a:t>
+            </a:r>
+            <a:r>
+              <a:rPr lang="en-US" sz="3600" dirty="0"/>
+              <a:t> </a:t>
+            </a:r>
+            <a:r>
+              <a:rPr lang="en-US" sz="3600" dirty="0" err="1"/>
+              <a:t>willekeurige</a:t>
+            </a:r>
+            <a:r>
+              <a:rPr lang="en-US" sz="3600" dirty="0"/>
+              <a:t> </a:t>
+            </a:r>
+            <a:r>
+              <a:rPr lang="en-US" sz="3600" dirty="0" err="1"/>
+              <a:t>kaart</a:t>
+            </a:r>
+            <a:endParaRPr lang="en-US" sz="3600" dirty="0"/>
+          </a:p>
+          <a:p>
             <a:pPr lvl="2"/>
             <a:r>
-              <a:rPr lang="nl-NL" sz="3600" dirty="0" smtClean="0"/>
-              <a:t>Altijd </a:t>
-            </a:r>
-            <a:r>
-              <a:rPr lang="nl-NL" sz="3600" dirty="0"/>
-              <a:t>omhoog: alleen verbeteringen accepteren</a:t>
-            </a:r>
+              <a:rPr lang="en-US" sz="3600" dirty="0" err="1"/>
+              <a:t>Kies</a:t>
+            </a:r>
+            <a:r>
+              <a:rPr lang="en-US" sz="3600" dirty="0"/>
+              <a:t> twee </a:t>
+            </a:r>
+            <a:r>
+              <a:rPr lang="en-US" sz="3600" dirty="0" err="1"/>
+              <a:t>huizen</a:t>
+            </a:r>
+            <a:endParaRPr lang="en-US" sz="3600" dirty="0"/>
           </a:p>
           <a:p>
             <a:pPr lvl="2"/>
             <a:r>
-              <a:rPr lang="nl-NL" sz="3600" dirty="0"/>
-              <a:t>Random telt niet: geen verbeteringen binnen dezelfde kaart</a:t>
-            </a:r>
+              <a:rPr lang="en-US" sz="3600" dirty="0" err="1"/>
+              <a:t>Wissel</a:t>
+            </a:r>
+            <a:r>
+              <a:rPr lang="en-US" sz="3600" dirty="0"/>
+              <a:t> </a:t>
+            </a:r>
+            <a:r>
+              <a:rPr lang="en-US" sz="3600" dirty="0" err="1"/>
+              <a:t>deze</a:t>
+            </a:r>
+            <a:r>
+              <a:rPr lang="en-US" sz="3600" dirty="0"/>
+              <a:t> om</a:t>
+            </a:r>
+          </a:p>
+          <a:p>
+            <a:pPr lvl="2"/>
+            <a:r>
+              <a:rPr lang="en-US" sz="3600" dirty="0" err="1"/>
+              <a:t>Beter</a:t>
+            </a:r>
+            <a:r>
+              <a:rPr lang="en-US" sz="3600" dirty="0"/>
+              <a:t> = </a:t>
+            </a:r>
+            <a:r>
+              <a:rPr lang="en-US" sz="3600" dirty="0" err="1"/>
+              <a:t>Bewaren</a:t>
+            </a:r>
+            <a:endParaRPr lang="en-US" sz="3600" dirty="0"/>
           </a:p>
           <a:p>
             <a:endParaRPr lang="en-US" dirty="0"/>
@@ -3746,7 +3596,7 @@
     </p:spTree>
     <p:extLst>
       <p:ext uri="{BB962C8B-B14F-4D97-AF65-F5344CB8AC3E}">
-        <p14:creationId xmlns:p14="http://schemas.microsoft.com/office/powerpoint/2010/main" val="1657093583"/>
+        <p14:creationId xmlns:p14="http://schemas.microsoft.com/office/powerpoint/2010/main" val="106683034"/>
       </p:ext>
     </p:extLst>
   </p:cSld>
@@ -3798,6 +3648,249 @@
           <a:lstStyle/>
           <a:p>
             <a:r>
+              <a:rPr lang="en-US" sz="6000" dirty="0" err="1" smtClean="0"/>
+              <a:t>Nadelen</a:t>
+            </a:r>
+            <a:r>
+              <a:rPr lang="en-US" sz="6000" dirty="0" smtClean="0"/>
+              <a:t> </a:t>
+            </a:r>
+            <a:r>
+              <a:rPr lang="en-US" sz="6000" dirty="0" err="1" smtClean="0"/>
+              <a:t>Schuiven</a:t>
+            </a:r>
+            <a:r>
+              <a:rPr lang="en-US" sz="6000" dirty="0" smtClean="0"/>
+              <a:t> </a:t>
+            </a:r>
+            <a:r>
+              <a:rPr lang="en-US" sz="6000" dirty="0" err="1" smtClean="0"/>
+              <a:t>en</a:t>
+            </a:r>
+            <a:r>
+              <a:rPr lang="en-US" sz="6000" dirty="0" smtClean="0"/>
+              <a:t> </a:t>
+            </a:r>
+            <a:r>
+              <a:rPr lang="en-US" sz="6000" dirty="0" err="1" smtClean="0"/>
+              <a:t>Omwisselen</a:t>
+            </a:r>
+            <a:endParaRPr lang="en-US" sz="6000" dirty="0"/>
+          </a:p>
+        </p:txBody>
+      </p:sp>
+      <p:sp>
+        <p:nvSpPr>
+          <p:cNvPr id="3" name="Tijdelijke aanduiding voor inhoud 2"/>
+          <p:cNvSpPr>
+            <a:spLocks noGrp="1"/>
+          </p:cNvSpPr>
+          <p:nvPr>
+            <p:ph idx="1"/>
+          </p:nvPr>
+        </p:nvSpPr>
+        <p:spPr/>
+        <p:txBody>
+          <a:bodyPr/>
+          <a:lstStyle/>
+          <a:p>
+            <a:pPr lvl="1"/>
+            <a:r>
+              <a:rPr lang="en-US" sz="3600" dirty="0"/>
+              <a:t> </a:t>
+            </a:r>
+            <a:r>
+              <a:rPr lang="en-US" sz="3600" dirty="0" err="1"/>
+              <a:t>Beperkte</a:t>
+            </a:r>
+            <a:r>
+              <a:rPr lang="en-US" sz="3600" dirty="0"/>
+              <a:t> </a:t>
+            </a:r>
+            <a:r>
+              <a:rPr lang="en-US" sz="3600" dirty="0" err="1"/>
+              <a:t>waardeverbetering</a:t>
+            </a:r>
+            <a:endParaRPr lang="en-US" sz="3600" dirty="0"/>
+          </a:p>
+          <a:p>
+            <a:pPr lvl="1"/>
+            <a:r>
+              <a:rPr lang="en-US" sz="3600" dirty="0"/>
+              <a:t> </a:t>
+            </a:r>
+            <a:r>
+              <a:rPr lang="en-US" sz="3600" dirty="0" err="1"/>
+              <a:t>Omwisselen</a:t>
+            </a:r>
+            <a:r>
+              <a:rPr lang="en-US" sz="3600" dirty="0"/>
+              <a:t>: </a:t>
+            </a:r>
+            <a:r>
+              <a:rPr lang="en-US" sz="3600" dirty="0" err="1"/>
+              <a:t>vrije</a:t>
+            </a:r>
+            <a:r>
+              <a:rPr lang="en-US" sz="3600" dirty="0"/>
+              <a:t> </a:t>
+            </a:r>
+            <a:r>
+              <a:rPr lang="en-US" sz="3600" dirty="0" err="1"/>
+              <a:t>ruimte</a:t>
+            </a:r>
+            <a:r>
+              <a:rPr lang="en-US" sz="3600" dirty="0"/>
+              <a:t> </a:t>
+            </a:r>
+            <a:r>
+              <a:rPr lang="en-US" sz="3600" dirty="0" err="1" smtClean="0"/>
+              <a:t>onbenut</a:t>
+            </a:r>
+            <a:endParaRPr lang="en-US" sz="3600" dirty="0" smtClean="0"/>
+          </a:p>
+          <a:p>
+            <a:pPr lvl="2"/>
+            <a:r>
+              <a:rPr lang="en-US" sz="3200" dirty="0" err="1" smtClean="0"/>
+              <a:t>Verder</a:t>
+            </a:r>
+            <a:r>
+              <a:rPr lang="en-US" sz="3200" dirty="0" smtClean="0"/>
+              <a:t> </a:t>
+            </a:r>
+            <a:r>
+              <a:rPr lang="en-US" sz="3200" dirty="0" err="1" smtClean="0"/>
+              <a:t>niet</a:t>
+            </a:r>
+            <a:r>
+              <a:rPr lang="en-US" sz="3200" dirty="0" smtClean="0"/>
+              <a:t> </a:t>
+            </a:r>
+            <a:r>
+              <a:rPr lang="en-US" sz="3200" dirty="0" err="1" smtClean="0"/>
+              <a:t>afdoende</a:t>
+            </a:r>
+            <a:r>
+              <a:rPr lang="en-US" sz="3200" dirty="0" smtClean="0"/>
+              <a:t> </a:t>
+            </a:r>
+            <a:r>
+              <a:rPr lang="en-US" sz="3200" dirty="0" err="1" smtClean="0"/>
+              <a:t>bruikbare</a:t>
+            </a:r>
+            <a:r>
+              <a:rPr lang="en-US" sz="3200" dirty="0" smtClean="0"/>
+              <a:t> of </a:t>
+            </a:r>
+            <a:r>
+              <a:rPr lang="en-US" sz="3200" dirty="0" err="1" smtClean="0"/>
+              <a:t>veelbelovende</a:t>
+            </a:r>
+            <a:r>
+              <a:rPr lang="en-US" sz="3200" dirty="0" smtClean="0"/>
+              <a:t> </a:t>
+            </a:r>
+            <a:r>
+              <a:rPr lang="en-US" sz="3200" dirty="0" err="1" smtClean="0"/>
+              <a:t>resultaten</a:t>
+            </a:r>
+            <a:r>
+              <a:rPr lang="en-US" sz="3200" dirty="0" smtClean="0"/>
+              <a:t> </a:t>
+            </a:r>
+            <a:r>
+              <a:rPr lang="en-US" sz="3200" dirty="0" err="1" smtClean="0"/>
+              <a:t>voor</a:t>
+            </a:r>
+            <a:r>
+              <a:rPr lang="en-US" sz="3200" dirty="0" smtClean="0"/>
+              <a:t> </a:t>
+            </a:r>
+            <a:r>
+              <a:rPr lang="en-US" sz="3200" dirty="0" err="1" smtClean="0"/>
+              <a:t>verder</a:t>
+            </a:r>
+            <a:r>
+              <a:rPr lang="en-US" sz="3200" dirty="0" smtClean="0"/>
+              <a:t> </a:t>
+            </a:r>
+            <a:r>
+              <a:rPr lang="en-US" sz="3200" dirty="0" err="1" smtClean="0"/>
+              <a:t>ontwikkeling</a:t>
+            </a:r>
+            <a:endParaRPr lang="en-US" sz="3200" dirty="0"/>
+          </a:p>
+          <a:p>
+            <a:pPr lvl="1"/>
+            <a:r>
+              <a:rPr lang="nl-NL" sz="3600" dirty="0"/>
+              <a:t> Schuiven: huizen belanden op optima voor huidige opstelling</a:t>
+            </a:r>
+          </a:p>
+          <a:p>
+            <a:pPr marL="0" indent="0">
+              <a:buNone/>
+            </a:pPr>
+            <a:endParaRPr lang="en-US" dirty="0"/>
+          </a:p>
+        </p:txBody>
+      </p:sp>
+    </p:spTree>
+    <p:extLst>
+      <p:ext uri="{BB962C8B-B14F-4D97-AF65-F5344CB8AC3E}">
+        <p14:creationId xmlns:p14="http://schemas.microsoft.com/office/powerpoint/2010/main" val="3484511328"/>
+      </p:ext>
+    </p:extLst>
+  </p:cSld>
+  <p:clrMapOvr>
+    <a:masterClrMapping/>
+  </p:clrMapOvr>
+  <p:timing>
+    <p:tnLst>
+      <p:par>
+        <p:cTn id="1" dur="indefinite" restart="never" nodeType="tmRoot"/>
+      </p:par>
+    </p:tnLst>
+  </p:timing>
+</p:sld>
+</file>
+
+<file path=ppt/slides/slide15.xml><?xml version="1.0" encoding="utf-8"?>
+<p:sld xmlns:a="http://schemas.openxmlformats.org/drawingml/2006/main" xmlns:r="http://schemas.openxmlformats.org/officeDocument/2006/relationships" xmlns:p="http://schemas.openxmlformats.org/presentationml/2006/main">
+  <p:cSld>
+    <p:spTree>
+      <p:nvGrpSpPr>
+        <p:cNvPr id="1" name=""/>
+        <p:cNvGrpSpPr/>
+        <p:nvPr/>
+      </p:nvGrpSpPr>
+      <p:grpSpPr>
+        <a:xfrm>
+          <a:off x="0" y="0"/>
+          <a:ext cx="0" cy="0"/>
+          <a:chOff x="0" y="0"/>
+          <a:chExt cx="0" cy="0"/>
+        </a:xfrm>
+      </p:grpSpPr>
+      <p:sp>
+        <p:nvSpPr>
+          <p:cNvPr id="2" name="Titel 1"/>
+          <p:cNvSpPr>
+            <a:spLocks noGrp="1"/>
+          </p:cNvSpPr>
+          <p:nvPr>
+            <p:ph type="title"/>
+          </p:nvPr>
+        </p:nvSpPr>
+        <p:spPr/>
+        <p:txBody>
+          <a:bodyPr>
+            <a:normAutofit/>
+          </a:bodyPr>
+          <a:lstStyle/>
+          <a:p>
+            <a:r>
               <a:rPr lang="en-US" sz="6000" dirty="0" smtClean="0"/>
               <a:t>Simulated Annealing</a:t>
             </a:r>
@@ -3887,6 +3980,340 @@
       </p:par>
     </p:tnLst>
   </p:timing>
+</p:sld>
+</file>
+
+<file path=ppt/slides/slide16.xml><?xml version="1.0" encoding="utf-8"?>
+<p:sld xmlns:a="http://schemas.openxmlformats.org/drawingml/2006/main" xmlns:r="http://schemas.openxmlformats.org/officeDocument/2006/relationships" xmlns:p="http://schemas.openxmlformats.org/presentationml/2006/main">
+  <p:cSld>
+    <p:spTree>
+      <p:nvGrpSpPr>
+        <p:cNvPr id="1" name=""/>
+        <p:cNvGrpSpPr/>
+        <p:nvPr/>
+      </p:nvGrpSpPr>
+      <p:grpSpPr>
+        <a:xfrm>
+          <a:off x="0" y="0"/>
+          <a:ext cx="0" cy="0"/>
+          <a:chOff x="0" y="0"/>
+          <a:chExt cx="0" cy="0"/>
+        </a:xfrm>
+      </p:grpSpPr>
+      <p:sp>
+        <p:nvSpPr>
+          <p:cNvPr id="2" name="Titel 1"/>
+          <p:cNvSpPr>
+            <a:spLocks noGrp="1"/>
+          </p:cNvSpPr>
+          <p:nvPr>
+            <p:ph type="title"/>
+          </p:nvPr>
+        </p:nvSpPr>
+        <p:spPr/>
+        <p:txBody>
+          <a:bodyPr>
+            <a:normAutofit/>
+          </a:bodyPr>
+          <a:lstStyle/>
+          <a:p>
+            <a:r>
+              <a:rPr lang="nl-NL" sz="6000" dirty="0" err="1" smtClean="0"/>
+              <a:t>Simulated</a:t>
+            </a:r>
+            <a:r>
+              <a:rPr lang="nl-NL" sz="6000" dirty="0" smtClean="0"/>
+              <a:t> </a:t>
+            </a:r>
+            <a:r>
+              <a:rPr lang="nl-NL" sz="6000" dirty="0" err="1" smtClean="0"/>
+              <a:t>Annealing</a:t>
+            </a:r>
+            <a:endParaRPr lang="nl-NL" sz="6000" dirty="0"/>
+          </a:p>
+        </p:txBody>
+      </p:sp>
+      <p:pic>
+        <p:nvPicPr>
+          <p:cNvPr id="4" name="Tijdelijke aanduiding voor inhoud 3"/>
+          <p:cNvPicPr>
+            <a:picLocks noGrp="1" noChangeAspect="1"/>
+          </p:cNvPicPr>
+          <p:nvPr>
+            <p:ph idx="1"/>
+          </p:nvPr>
+        </p:nvPicPr>
+        <p:blipFill>
+          <a:blip r:embed="rId2" cstate="print">
+            <a:extLst>
+              <a:ext uri="{28A0092B-C50C-407E-A947-70E740481C1C}">
+                <a14:useLocalDpi xmlns:a14="http://schemas.microsoft.com/office/drawing/2010/main" val="0"/>
+              </a:ext>
+            </a:extLst>
+          </a:blip>
+          <a:stretch>
+            <a:fillRect/>
+          </a:stretch>
+        </p:blipFill>
+        <p:spPr>
+          <a:xfrm>
+            <a:off x="3823390" y="1825625"/>
+            <a:ext cx="4545220" cy="4351338"/>
+          </a:xfrm>
+        </p:spPr>
+      </p:pic>
+    </p:spTree>
+    <p:extLst>
+      <p:ext uri="{BB962C8B-B14F-4D97-AF65-F5344CB8AC3E}">
+        <p14:creationId xmlns:p14="http://schemas.microsoft.com/office/powerpoint/2010/main" val="3627794946"/>
+      </p:ext>
+    </p:extLst>
+  </p:cSld>
+  <p:clrMapOvr>
+    <a:masterClrMapping/>
+  </p:clrMapOvr>
+</p:sld>
+</file>
+
+<file path=ppt/slides/slide17.xml><?xml version="1.0" encoding="utf-8"?>
+<p:sld xmlns:a="http://schemas.openxmlformats.org/drawingml/2006/main" xmlns:r="http://schemas.openxmlformats.org/officeDocument/2006/relationships" xmlns:p="http://schemas.openxmlformats.org/presentationml/2006/main">
+  <p:cSld>
+    <p:spTree>
+      <p:nvGrpSpPr>
+        <p:cNvPr id="1" name=""/>
+        <p:cNvGrpSpPr/>
+        <p:nvPr/>
+      </p:nvGrpSpPr>
+      <p:grpSpPr>
+        <a:xfrm>
+          <a:off x="0" y="0"/>
+          <a:ext cx="0" cy="0"/>
+          <a:chOff x="0" y="0"/>
+          <a:chExt cx="0" cy="0"/>
+        </a:xfrm>
+      </p:grpSpPr>
+      <p:sp>
+        <p:nvSpPr>
+          <p:cNvPr id="2" name="Titel 1"/>
+          <p:cNvSpPr>
+            <a:spLocks noGrp="1"/>
+          </p:cNvSpPr>
+          <p:nvPr>
+            <p:ph type="title"/>
+          </p:nvPr>
+        </p:nvSpPr>
+        <p:spPr/>
+        <p:txBody>
+          <a:bodyPr/>
+          <a:lstStyle/>
+          <a:p>
+            <a:r>
+              <a:rPr lang="nl-NL" sz="6000" dirty="0" smtClean="0"/>
+              <a:t>Resultaten</a:t>
+            </a:r>
+            <a:endParaRPr lang="nl-NL" sz="6000" dirty="0"/>
+          </a:p>
+        </p:txBody>
+      </p:sp>
+      <p:pic>
+        <p:nvPicPr>
+          <p:cNvPr id="4" name="Tijdelijke aanduiding voor inhoud 3"/>
+          <p:cNvPicPr>
+            <a:picLocks noGrp="1" noChangeAspect="1"/>
+          </p:cNvPicPr>
+          <p:nvPr>
+            <p:ph idx="1"/>
+          </p:nvPr>
+        </p:nvPicPr>
+        <p:blipFill>
+          <a:blip r:embed="rId2" cstate="print">
+            <a:extLst>
+              <a:ext uri="{28A0092B-C50C-407E-A947-70E740481C1C}">
+                <a14:useLocalDpi xmlns:a14="http://schemas.microsoft.com/office/drawing/2010/main" val="0"/>
+              </a:ext>
+            </a:extLst>
+          </a:blip>
+          <a:stretch>
+            <a:fillRect/>
+          </a:stretch>
+        </p:blipFill>
+        <p:spPr>
+          <a:xfrm>
+            <a:off x="1288705" y="2363463"/>
+            <a:ext cx="4058901" cy="2803485"/>
+          </a:xfrm>
+        </p:spPr>
+      </p:pic>
+      <p:pic>
+        <p:nvPicPr>
+          <p:cNvPr id="5" name="Afbeelding 4"/>
+          <p:cNvPicPr>
+            <a:picLocks noChangeAspect="1"/>
+          </p:cNvPicPr>
+          <p:nvPr/>
+        </p:nvPicPr>
+        <p:blipFill>
+          <a:blip r:embed="rId3" cstate="print">
+            <a:extLst>
+              <a:ext uri="{28A0092B-C50C-407E-A947-70E740481C1C}">
+                <a14:useLocalDpi xmlns:a14="http://schemas.microsoft.com/office/drawing/2010/main" val="0"/>
+              </a:ext>
+            </a:extLst>
+          </a:blip>
+          <a:stretch>
+            <a:fillRect/>
+          </a:stretch>
+        </p:blipFill>
+        <p:spPr>
+          <a:xfrm>
+            <a:off x="4025095" y="2358759"/>
+            <a:ext cx="4065712" cy="2808189"/>
+          </a:xfrm>
+          <a:prstGeom prst="rect">
+            <a:avLst/>
+          </a:prstGeom>
+        </p:spPr>
+      </p:pic>
+      <p:pic>
+        <p:nvPicPr>
+          <p:cNvPr id="6" name="Afbeelding 5"/>
+          <p:cNvPicPr>
+            <a:picLocks noChangeAspect="1"/>
+          </p:cNvPicPr>
+          <p:nvPr/>
+        </p:nvPicPr>
+        <p:blipFill>
+          <a:blip r:embed="rId4" cstate="print">
+            <a:extLst>
+              <a:ext uri="{28A0092B-C50C-407E-A947-70E740481C1C}">
+                <a14:useLocalDpi xmlns:a14="http://schemas.microsoft.com/office/drawing/2010/main" val="0"/>
+              </a:ext>
+            </a:extLst>
+          </a:blip>
+          <a:stretch>
+            <a:fillRect/>
+          </a:stretch>
+        </p:blipFill>
+        <p:spPr>
+          <a:xfrm>
+            <a:off x="6769648" y="2364397"/>
+            <a:ext cx="4057549" cy="2802551"/>
+          </a:xfrm>
+          <a:prstGeom prst="rect">
+            <a:avLst/>
+          </a:prstGeom>
+        </p:spPr>
+      </p:pic>
+    </p:spTree>
+    <p:extLst>
+      <p:ext uri="{BB962C8B-B14F-4D97-AF65-F5344CB8AC3E}">
+        <p14:creationId xmlns:p14="http://schemas.microsoft.com/office/powerpoint/2010/main" val="2197941369"/>
+      </p:ext>
+    </p:extLst>
+  </p:cSld>
+  <p:clrMapOvr>
+    <a:masterClrMapping/>
+  </p:clrMapOvr>
+</p:sld>
+</file>
+
+<file path=ppt/slides/slide18.xml><?xml version="1.0" encoding="utf-8"?>
+<p:sld xmlns:a="http://schemas.openxmlformats.org/drawingml/2006/main" xmlns:r="http://schemas.openxmlformats.org/officeDocument/2006/relationships" xmlns:p="http://schemas.openxmlformats.org/presentationml/2006/main">
+  <p:cSld>
+    <p:spTree>
+      <p:nvGrpSpPr>
+        <p:cNvPr id="1" name=""/>
+        <p:cNvGrpSpPr/>
+        <p:nvPr/>
+      </p:nvGrpSpPr>
+      <p:grpSpPr>
+        <a:xfrm>
+          <a:off x="0" y="0"/>
+          <a:ext cx="0" cy="0"/>
+          <a:chOff x="0" y="0"/>
+          <a:chExt cx="0" cy="0"/>
+        </a:xfrm>
+      </p:grpSpPr>
+      <p:sp>
+        <p:nvSpPr>
+          <p:cNvPr id="2" name="Titel 1"/>
+          <p:cNvSpPr>
+            <a:spLocks noGrp="1"/>
+          </p:cNvSpPr>
+          <p:nvPr>
+            <p:ph type="title"/>
+          </p:nvPr>
+        </p:nvSpPr>
+        <p:spPr/>
+        <p:txBody>
+          <a:bodyPr/>
+          <a:lstStyle/>
+          <a:p>
+            <a:r>
+              <a:rPr lang="nl-NL" sz="6000" dirty="0" smtClean="0"/>
+              <a:t>Conclusie</a:t>
+            </a:r>
+            <a:endParaRPr lang="nl-NL" sz="6000" dirty="0"/>
+          </a:p>
+        </p:txBody>
+      </p:sp>
+      <p:sp>
+        <p:nvSpPr>
+          <p:cNvPr id="3" name="Tijdelijke aanduiding voor inhoud 2"/>
+          <p:cNvSpPr>
+            <a:spLocks noGrp="1"/>
+          </p:cNvSpPr>
+          <p:nvPr>
+            <p:ph idx="1"/>
+          </p:nvPr>
+        </p:nvSpPr>
+        <p:spPr/>
+        <p:txBody>
+          <a:bodyPr>
+            <a:normAutofit/>
+          </a:bodyPr>
+          <a:lstStyle/>
+          <a:p>
+            <a:r>
+              <a:rPr lang="nl-NL" sz="3600" dirty="0" smtClean="0"/>
+              <a:t>Schuiven-</a:t>
+            </a:r>
+            <a:r>
+              <a:rPr lang="nl-NL" sz="3600" dirty="0" err="1" smtClean="0"/>
+              <a:t>hillclimbing</a:t>
+            </a:r>
+            <a:r>
+              <a:rPr lang="nl-NL" sz="3600" dirty="0" smtClean="0"/>
+              <a:t> levert de beste resultaten</a:t>
+            </a:r>
+          </a:p>
+          <a:p>
+            <a:r>
+              <a:rPr lang="nl-NL" sz="3600" dirty="0" smtClean="0"/>
+              <a:t>Zoals uit de </a:t>
+            </a:r>
+            <a:r>
+              <a:rPr lang="nl-NL" sz="3600" dirty="0" err="1" smtClean="0"/>
+              <a:t>barcharts</a:t>
+            </a:r>
+            <a:r>
+              <a:rPr lang="nl-NL" sz="3600" dirty="0" smtClean="0"/>
+              <a:t> blijkt, zijn de andere algoritmes daarmee niet meteen ‘slechter’</a:t>
+            </a:r>
+            <a:endParaRPr lang="nl-NL" sz="3600" dirty="0"/>
+          </a:p>
+        </p:txBody>
+      </p:sp>
+    </p:spTree>
+    <p:extLst>
+      <p:ext uri="{BB962C8B-B14F-4D97-AF65-F5344CB8AC3E}">
+        <p14:creationId xmlns:p14="http://schemas.microsoft.com/office/powerpoint/2010/main" val="4293108192"/>
+      </p:ext>
+    </p:extLst>
+  </p:cSld>
+  <p:clrMapOvr>
+    <a:masterClrMapping/>
+  </p:clrMapOvr>
 </p:sld>
 </file>
 
@@ -4064,18 +4491,11 @@
           <a:p>
             <a:pPr lvl="1"/>
             <a:r>
-              <a:rPr lang="nl-NL" sz="3600" dirty="0"/>
-              <a:t>20% van oppervlakte is water</a:t>
-            </a:r>
-          </a:p>
-          <a:p>
-            <a:pPr lvl="1"/>
-            <a:r>
-              <a:rPr lang="en-US" sz="3600" dirty="0" err="1"/>
+              <a:rPr lang="en-US" sz="3600" dirty="0" err="1" smtClean="0"/>
               <a:t>Optimaal</a:t>
             </a:r>
             <a:r>
-              <a:rPr lang="en-US" sz="3600" dirty="0"/>
+              <a:rPr lang="en-US" sz="3600" dirty="0" smtClean="0"/>
               <a:t> </a:t>
             </a:r>
             <a:r>
@@ -4238,8 +4658,49 @@
             </a:r>
             <a:r>
               <a:rPr lang="en-US" sz="3600" dirty="0"/>
-              <a:t> (Villas)</a:t>
-            </a:r>
+              <a:t> (Villas</a:t>
+            </a:r>
+            <a:r>
+              <a:rPr lang="en-US" sz="3600" dirty="0" smtClean="0"/>
+              <a:t>)</a:t>
+            </a:r>
+          </a:p>
+          <a:p>
+            <a:pPr lvl="2"/>
+            <a:endParaRPr lang="en-US" sz="3600" dirty="0"/>
+          </a:p>
+          <a:p>
+            <a:pPr lvl="2"/>
+            <a:r>
+              <a:rPr lang="en-US" sz="3600" dirty="0" smtClean="0"/>
+              <a:t>20% van de </a:t>
+            </a:r>
+            <a:r>
+              <a:rPr lang="en-US" sz="3600" dirty="0" err="1" smtClean="0"/>
+              <a:t>oppervlakte</a:t>
+            </a:r>
+            <a:r>
+              <a:rPr lang="en-US" sz="3600" dirty="0" smtClean="0"/>
+              <a:t> is water.</a:t>
+            </a:r>
+          </a:p>
+          <a:p>
+            <a:pPr marL="914400" lvl="2" indent="0">
+              <a:buNone/>
+            </a:pPr>
+            <a:r>
+              <a:rPr lang="en-US" sz="3600" dirty="0" smtClean="0"/>
+              <a:t>  Max 4 </a:t>
+            </a:r>
+            <a:r>
+              <a:rPr lang="en-US" sz="3600" dirty="0" err="1" smtClean="0"/>
+              <a:t>lichamen</a:t>
+            </a:r>
+            <a:r>
+              <a:rPr lang="en-US" sz="3600" dirty="0" smtClean="0"/>
+              <a:t> water.</a:t>
+            </a:r>
+            <a:endParaRPr lang="en-US" sz="3600" dirty="0"/>
           </a:p>
           <a:p>
             <a:endParaRPr lang="en-US" dirty="0"/>
@@ -4410,66 +4871,74 @@
         </p:nvSpPr>
         <p:spPr/>
         <p:txBody>
-          <a:bodyPr/>
-          <a:lstStyle/>
-          <a:p>
-            <a:r>
-              <a:rPr lang="en-US" dirty="0" err="1" smtClean="0"/>
+          <a:bodyPr>
+            <a:normAutofit/>
+          </a:bodyPr>
+          <a:lstStyle/>
+          <a:p>
+            <a:r>
+              <a:rPr lang="en-US" sz="6000" dirty="0" err="1" smtClean="0"/>
               <a:t>Probleemstelling</a:t>
             </a:r>
+            <a:endParaRPr lang="en-US" sz="6000" dirty="0"/>
+          </a:p>
+        </p:txBody>
+      </p:sp>
+      <p:sp>
+        <p:nvSpPr>
+          <p:cNvPr id="3" name="Tijdelijke aanduiding voor inhoud 2"/>
+          <p:cNvSpPr>
+            <a:spLocks noGrp="1"/>
+          </p:cNvSpPr>
+          <p:nvPr>
+            <p:ph idx="1"/>
+          </p:nvPr>
+        </p:nvSpPr>
+        <p:spPr/>
+        <p:txBody>
+          <a:bodyPr/>
+          <a:lstStyle/>
+          <a:p>
+            <a:pPr lvl="1"/>
+            <a:r>
+              <a:rPr lang="nl-NL" sz="3600" dirty="0" smtClean="0"/>
+              <a:t>Plaats </a:t>
+            </a:r>
+            <a:r>
+              <a:rPr lang="nl-NL" sz="3600" dirty="0"/>
+              <a:t>alle huizen zo dat deze het meeste opleveren</a:t>
+            </a:r>
+            <a:r>
+              <a:rPr lang="nl-NL" sz="3600" dirty="0" smtClean="0"/>
+              <a:t>.</a:t>
+            </a:r>
+          </a:p>
+          <a:p>
+            <a:pPr lvl="1"/>
+            <a:r>
+              <a:rPr lang="nl-NL" sz="3600" dirty="0" smtClean="0"/>
+              <a:t>Meer </a:t>
+            </a:r>
+            <a:r>
+              <a:rPr lang="nl-NL" sz="3600" dirty="0" err="1" smtClean="0"/>
+              <a:t>vrijstand</a:t>
+            </a:r>
+            <a:r>
+              <a:rPr lang="nl-NL" sz="3600" dirty="0" smtClean="0"/>
+              <a:t> = beter!</a:t>
+            </a:r>
+          </a:p>
+          <a:p>
+            <a:pPr lvl="1"/>
+            <a:r>
+              <a:rPr lang="nl-NL" sz="3600" dirty="0" smtClean="0"/>
+              <a:t>Meer waarde in euro’s = beter!</a:t>
+            </a:r>
+            <a:endParaRPr lang="nl-NL" sz="3600" dirty="0"/>
+          </a:p>
+          <a:p>
+            <a:pPr lvl="1"/>
             <a:endParaRPr lang="en-US" dirty="0"/>
-          </a:p>
-        </p:txBody>
-      </p:sp>
-      <p:sp>
-        <p:nvSpPr>
-          <p:cNvPr id="3" name="Tijdelijke aanduiding voor inhoud 2"/>
-          <p:cNvSpPr>
-            <a:spLocks noGrp="1"/>
-          </p:cNvSpPr>
-          <p:nvPr>
-            <p:ph idx="1"/>
-          </p:nvPr>
-        </p:nvSpPr>
-        <p:spPr/>
-        <p:txBody>
-          <a:bodyPr/>
-          <a:lstStyle/>
-          <a:p>
-            <a:pPr marL="228600" lvl="1">
-              <a:spcBef>
-                <a:spcPts val="1000"/>
-              </a:spcBef>
-            </a:pPr>
-            <a:r>
-              <a:rPr lang="nl-NL" dirty="0"/>
-              <a:t>Elk type huis vereist meer minimale </a:t>
-            </a:r>
-            <a:r>
-              <a:rPr lang="nl-NL" dirty="0" err="1"/>
-              <a:t>vrijstand</a:t>
-            </a:r>
-            <a:r>
-              <a:rPr lang="nl-NL" dirty="0"/>
-              <a:t> naar gelang de grootte van het type huis, maar is ook meer waard en heeft een betere </a:t>
-            </a:r>
-            <a:r>
-              <a:rPr lang="nl-NL" dirty="0" err="1"/>
-              <a:t>waardeverhoging</a:t>
-            </a:r>
-            <a:r>
-              <a:rPr lang="nl-NL" dirty="0"/>
-              <a:t> per meter </a:t>
-            </a:r>
-            <a:r>
-              <a:rPr lang="nl-NL" dirty="0" err="1"/>
-              <a:t>vrijstand</a:t>
-            </a:r>
-            <a:r>
-              <a:rPr lang="nl-NL" dirty="0"/>
-              <a:t>.</a:t>
-            </a:r>
-            <a:endParaRPr lang="nl-NL" sz="2000" dirty="0"/>
           </a:p>
           <a:p>
             <a:endParaRPr lang="en-US" dirty="0"/>
@@ -4479,7 +4948,7 @@
     </p:spTree>
     <p:extLst>
       <p:ext uri="{BB962C8B-B14F-4D97-AF65-F5344CB8AC3E}">
-        <p14:creationId xmlns:p14="http://schemas.microsoft.com/office/powerpoint/2010/main" val="719573689"/>
+        <p14:creationId xmlns:p14="http://schemas.microsoft.com/office/powerpoint/2010/main" val="1853529306"/>
       </p:ext>
     </p:extLst>
   </p:cSld>
@@ -4525,14 +4994,12 @@
         </p:nvSpPr>
         <p:spPr/>
         <p:txBody>
-          <a:bodyPr>
-            <a:normAutofit/>
-          </a:bodyPr>
+          <a:bodyPr/>
           <a:lstStyle/>
           <a:p>
             <a:r>
               <a:rPr lang="en-US" sz="6000" dirty="0" err="1" smtClean="0"/>
-              <a:t>Probleemstelling</a:t>
+              <a:t>Algoritmes</a:t>
             </a:r>
             <a:endParaRPr lang="en-US" sz="6000" dirty="0"/>
           </a:p>
@@ -4555,44 +5022,36 @@
           <a:p>
             <a:pPr lvl="1"/>
             <a:r>
-              <a:rPr lang="nl-NL" sz="3600" dirty="0" smtClean="0"/>
-              <a:t>Plaats </a:t>
-            </a:r>
-            <a:r>
-              <a:rPr lang="nl-NL" sz="3600" dirty="0"/>
-              <a:t>alle huizen zo dat deze het meeste opleveren</a:t>
-            </a:r>
-            <a:r>
-              <a:rPr lang="nl-NL" sz="3600" dirty="0" smtClean="0"/>
-              <a:t>.</a:t>
+              <a:rPr lang="en-US" sz="3600" dirty="0"/>
+              <a:t>Random Sampling</a:t>
             </a:r>
           </a:p>
           <a:p>
             <a:pPr lvl="1"/>
             <a:r>
-              <a:rPr lang="nl-NL" sz="3600" dirty="0" smtClean="0"/>
-              <a:t>Meer </a:t>
-            </a:r>
-            <a:r>
-              <a:rPr lang="nl-NL" sz="3600" dirty="0" err="1" smtClean="0"/>
-              <a:t>vrijstand</a:t>
-            </a:r>
-            <a:r>
-              <a:rPr lang="nl-NL" sz="3600" dirty="0" smtClean="0"/>
-              <a:t> = beter!</a:t>
-            </a:r>
+              <a:rPr lang="en-US" sz="3600" dirty="0" err="1"/>
+              <a:t>Schuiven</a:t>
+            </a:r>
+            <a:endParaRPr lang="en-US" sz="3600" dirty="0"/>
           </a:p>
           <a:p>
             <a:pPr lvl="1"/>
             <a:r>
-              <a:rPr lang="nl-NL" sz="3600" dirty="0" smtClean="0"/>
-              <a:t>Meer waarde in euro’s = beter!</a:t>
-            </a:r>
-            <a:endParaRPr lang="nl-NL" sz="3600" dirty="0"/>
+              <a:rPr lang="en-US" sz="3600" dirty="0" err="1"/>
+              <a:t>Omwisselen</a:t>
+            </a:r>
+            <a:endParaRPr lang="en-US" sz="3600" dirty="0"/>
           </a:p>
           <a:p>
             <a:pPr lvl="1"/>
-            <a:endParaRPr lang="en-US" dirty="0"/>
+            <a:r>
+              <a:rPr lang="en-US" sz="3600" dirty="0" smtClean="0"/>
+              <a:t>Simulated </a:t>
+            </a:r>
+            <a:r>
+              <a:rPr lang="en-US" sz="3600" dirty="0"/>
+              <a:t>Annealing</a:t>
+            </a:r>
           </a:p>
           <a:p>
             <a:endParaRPr lang="en-US" dirty="0"/>
@@ -4602,7 +5061,7 @@
     </p:spTree>
     <p:extLst>
       <p:ext uri="{BB962C8B-B14F-4D97-AF65-F5344CB8AC3E}">
-        <p14:creationId xmlns:p14="http://schemas.microsoft.com/office/powerpoint/2010/main" val="1853529306"/>
+        <p14:creationId xmlns:p14="http://schemas.microsoft.com/office/powerpoint/2010/main" val="2170328224"/>
       </p:ext>
     </p:extLst>
   </p:cSld>
@@ -4648,14 +5107,16 @@
         </p:nvSpPr>
         <p:spPr/>
         <p:txBody>
-          <a:bodyPr/>
-          <a:lstStyle/>
-          <a:p>
-            <a:r>
-              <a:rPr lang="en-US" dirty="0" err="1" smtClean="0"/>
-              <a:t>Algoritmes</a:t>
-            </a:r>
-            <a:endParaRPr lang="en-US" dirty="0"/>
+          <a:bodyPr>
+            <a:normAutofit/>
+          </a:bodyPr>
+          <a:lstStyle/>
+          <a:p>
+            <a:r>
+              <a:rPr lang="en-US" sz="6000" dirty="0" smtClean="0"/>
+              <a:t>Random Sampling</a:t>
+            </a:r>
+            <a:endParaRPr lang="en-US" sz="6000" dirty="0"/>
           </a:p>
         </p:txBody>
       </p:sp>
@@ -4677,47 +5138,96 @@
             <a:pPr lvl="1"/>
             <a:r>
               <a:rPr lang="en-US" sz="3600" dirty="0"/>
-              <a:t>Random Sampling</a:t>
-            </a:r>
-          </a:p>
-          <a:p>
-            <a:pPr lvl="1"/>
+              <a:t> </a:t>
+            </a:r>
             <a:r>
               <a:rPr lang="en-US" sz="3600" dirty="0" err="1"/>
-              <a:t>Schuiven</a:t>
+              <a:t>Bouw</a:t>
+            </a:r>
+            <a:r>
+              <a:rPr lang="en-US" sz="3600" dirty="0"/>
+              <a:t> </a:t>
+            </a:r>
+            <a:r>
+              <a:rPr lang="en-US" sz="3600" dirty="0" err="1"/>
+              <a:t>willekeurige</a:t>
+            </a:r>
+            <a:r>
+              <a:rPr lang="en-US" sz="3600" dirty="0"/>
+              <a:t> </a:t>
+            </a:r>
+            <a:r>
+              <a:rPr lang="en-US" sz="3600" dirty="0" err="1"/>
+              <a:t>kaart</a:t>
             </a:r>
             <a:endParaRPr lang="en-US" sz="3600" dirty="0"/>
           </a:p>
           <a:p>
-            <a:pPr lvl="1"/>
+            <a:pPr lvl="2"/>
             <a:r>
               <a:rPr lang="en-US" sz="3600" dirty="0" err="1"/>
-              <a:t>Omwisselen</a:t>
+              <a:t>Niet</a:t>
+            </a:r>
+            <a:r>
+              <a:rPr lang="en-US" sz="3600" dirty="0"/>
+              <a:t> </a:t>
+            </a:r>
+            <a:r>
+              <a:rPr lang="en-US" sz="3600" dirty="0" err="1"/>
+              <a:t>geldig</a:t>
+            </a:r>
+            <a:r>
+              <a:rPr lang="en-US" sz="3600" dirty="0"/>
+              <a:t> → </a:t>
+            </a:r>
+            <a:r>
+              <a:rPr lang="en-US" sz="3600" dirty="0" err="1"/>
+              <a:t>weggooien</a:t>
             </a:r>
             <a:endParaRPr lang="en-US" sz="3600" dirty="0"/>
           </a:p>
           <a:p>
-            <a:pPr lvl="1"/>
-            <a:r>
-              <a:rPr lang="en-US" sz="3600" dirty="0" err="1"/>
-              <a:t>Schuiven</a:t>
-            </a:r>
+            <a:pPr lvl="2"/>
             <a:r>
               <a:rPr lang="en-US" sz="3600" dirty="0"/>
-              <a:t> + </a:t>
-            </a:r>
-            <a:r>
-              <a:rPr lang="en-US" sz="3600" dirty="0" err="1"/>
-              <a:t>Wisselen</a:t>
+              <a:t>Anders: </a:t>
+            </a:r>
+            <a:r>
+              <a:rPr lang="en-US" sz="3600" dirty="0" err="1" smtClean="0"/>
+              <a:t>evalueren</a:t>
+            </a:r>
+            <a:r>
+              <a:rPr lang="en-US" sz="3600" dirty="0"/>
+              <a:t>.</a:t>
+            </a:r>
+          </a:p>
+          <a:p>
+            <a:pPr lvl="2"/>
+            <a:r>
+              <a:rPr lang="nl-NL" sz="3600" dirty="0"/>
+              <a:t>Kaart minder waard dan huidige beste kaart → </a:t>
+            </a:r>
+            <a:r>
+              <a:rPr lang="nl-NL" sz="3600" dirty="0" smtClean="0"/>
+              <a:t>weggooien.</a:t>
+            </a:r>
+            <a:endParaRPr lang="nl-NL" sz="3600" dirty="0"/>
+          </a:p>
+          <a:p>
+            <a:pPr lvl="2"/>
+            <a:r>
+              <a:rPr lang="en-US" sz="3600" dirty="0" smtClean="0"/>
+              <a:t>Anders: </a:t>
+            </a:r>
+            <a:r>
+              <a:rPr lang="en-US" sz="3600" dirty="0" err="1" smtClean="0"/>
+              <a:t>bewaren</a:t>
+            </a:r>
+            <a:r>
+              <a:rPr lang="en-US" sz="3600" dirty="0" smtClean="0"/>
+              <a:t>!</a:t>
             </a:r>
             <a:endParaRPr lang="en-US" sz="3600" dirty="0"/>
-          </a:p>
-          <a:p>
-            <a:pPr lvl="1"/>
-            <a:r>
-              <a:rPr lang="en-US" sz="3600" dirty="0"/>
-              <a:t>Simulated Annealing</a:t>
-            </a:r>
           </a:p>
           <a:p>
             <a:endParaRPr lang="en-US" dirty="0"/>
@@ -4727,7 +5237,7 @@
     </p:spTree>
     <p:extLst>
       <p:ext uri="{BB962C8B-B14F-4D97-AF65-F5344CB8AC3E}">
-        <p14:creationId xmlns:p14="http://schemas.microsoft.com/office/powerpoint/2010/main" val="2170328224"/>
+        <p14:creationId xmlns:p14="http://schemas.microsoft.com/office/powerpoint/2010/main" val="4138726758"/>
       </p:ext>
     </p:extLst>
   </p:cSld>
@@ -4779,144 +5289,52 @@
           <a:lstStyle/>
           <a:p>
             <a:r>
-              <a:rPr lang="en-US" sz="6000" dirty="0" smtClean="0"/>
+              <a:rPr lang="nl-NL" sz="6000" dirty="0" smtClean="0"/>
               <a:t>Random Sampling</a:t>
             </a:r>
-            <a:endParaRPr lang="en-US" sz="6000" dirty="0"/>
-          </a:p>
-        </p:txBody>
-      </p:sp>
-      <p:sp>
-        <p:nvSpPr>
-          <p:cNvPr id="3" name="Tijdelijke aanduiding voor inhoud 2"/>
-          <p:cNvSpPr>
-            <a:spLocks noGrp="1"/>
-          </p:cNvSpPr>
+            <a:endParaRPr lang="nl-NL" sz="6000" dirty="0"/>
+          </a:p>
+        </p:txBody>
+      </p:sp>
+      <p:pic>
+        <p:nvPicPr>
+          <p:cNvPr id="4" name="Tijdelijke aanduiding voor inhoud 3"/>
+          <p:cNvPicPr>
+            <a:picLocks noGrp="1" noChangeAspect="1"/>
+          </p:cNvPicPr>
           <p:nvPr>
             <p:ph idx="1"/>
           </p:nvPr>
-        </p:nvSpPr>
-        <p:spPr/>
-        <p:txBody>
-          <a:bodyPr/>
-          <a:lstStyle/>
-          <a:p>
-            <a:pPr lvl="1"/>
-            <a:r>
-              <a:rPr lang="en-US" sz="3600" dirty="0"/>
-              <a:t> </a:t>
-            </a:r>
-            <a:r>
-              <a:rPr lang="en-US" sz="3600" dirty="0" err="1"/>
-              <a:t>Bouw</a:t>
-            </a:r>
-            <a:r>
-              <a:rPr lang="en-US" sz="3600" dirty="0"/>
-              <a:t> </a:t>
-            </a:r>
-            <a:r>
-              <a:rPr lang="en-US" sz="3600" dirty="0" err="1"/>
-              <a:t>willekeurige</a:t>
-            </a:r>
-            <a:r>
-              <a:rPr lang="en-US" sz="3600" dirty="0"/>
-              <a:t> </a:t>
-            </a:r>
-            <a:r>
-              <a:rPr lang="en-US" sz="3600" dirty="0" err="1"/>
-              <a:t>kaart</a:t>
-            </a:r>
-            <a:endParaRPr lang="en-US" sz="3600" dirty="0"/>
-          </a:p>
-          <a:p>
-            <a:pPr lvl="2"/>
-            <a:r>
-              <a:rPr lang="en-US" sz="3600" dirty="0" err="1"/>
-              <a:t>Niet</a:t>
-            </a:r>
-            <a:r>
-              <a:rPr lang="en-US" sz="3600" dirty="0"/>
-              <a:t> </a:t>
-            </a:r>
-            <a:r>
-              <a:rPr lang="en-US" sz="3600" dirty="0" err="1"/>
-              <a:t>geldig</a:t>
-            </a:r>
-            <a:r>
-              <a:rPr lang="en-US" sz="3600" dirty="0"/>
-              <a:t> → </a:t>
-            </a:r>
-            <a:r>
-              <a:rPr lang="en-US" sz="3600" dirty="0" err="1"/>
-              <a:t>weggooien</a:t>
-            </a:r>
-            <a:endParaRPr lang="en-US" sz="3600" dirty="0"/>
-          </a:p>
-          <a:p>
-            <a:pPr lvl="2"/>
-            <a:r>
-              <a:rPr lang="en-US" sz="3600" dirty="0"/>
-              <a:t>Anders: </a:t>
-            </a:r>
-            <a:r>
-              <a:rPr lang="en-US" sz="3600" dirty="0" err="1" smtClean="0"/>
-              <a:t>evalueren</a:t>
-            </a:r>
-            <a:r>
-              <a:rPr lang="en-US" sz="3600" dirty="0"/>
-              <a:t>.</a:t>
-            </a:r>
-          </a:p>
-          <a:p>
-            <a:pPr lvl="2"/>
-            <a:r>
-              <a:rPr lang="nl-NL" sz="3600" dirty="0"/>
-              <a:t>Kaart minder waard dan huidige beste kaart → </a:t>
-            </a:r>
-            <a:r>
-              <a:rPr lang="nl-NL" sz="3600" dirty="0" smtClean="0"/>
-              <a:t>weggooien.</a:t>
-            </a:r>
-            <a:endParaRPr lang="nl-NL" sz="3600" dirty="0"/>
-          </a:p>
-          <a:p>
-            <a:pPr lvl="2"/>
-            <a:r>
-              <a:rPr lang="en-US" sz="3600" dirty="0" smtClean="0"/>
-              <a:t>Anders: </a:t>
-            </a:r>
-            <a:r>
-              <a:rPr lang="en-US" sz="3600" dirty="0" err="1" smtClean="0"/>
-              <a:t>bewaren</a:t>
-            </a:r>
-            <a:r>
-              <a:rPr lang="en-US" sz="3600" dirty="0" smtClean="0"/>
-              <a:t>!</a:t>
-            </a:r>
-            <a:endParaRPr lang="en-US" sz="3600" dirty="0"/>
-          </a:p>
-          <a:p>
-            <a:endParaRPr lang="en-US" dirty="0"/>
-          </a:p>
-        </p:txBody>
-      </p:sp>
+        </p:nvPicPr>
+        <p:blipFill>
+          <a:blip r:embed="rId2" cstate="print">
+            <a:extLst>
+              <a:ext uri="{28A0092B-C50C-407E-A947-70E740481C1C}">
+                <a14:useLocalDpi xmlns:a14="http://schemas.microsoft.com/office/drawing/2010/main" val="0"/>
+              </a:ext>
+            </a:extLst>
+          </a:blip>
+          <a:stretch>
+            <a:fillRect/>
+          </a:stretch>
+        </p:blipFill>
+        <p:spPr>
+          <a:xfrm>
+            <a:off x="3722042" y="1825625"/>
+            <a:ext cx="4747915" cy="4351338"/>
+          </a:xfrm>
+        </p:spPr>
+      </p:pic>
     </p:spTree>
     <p:extLst>
       <p:ext uri="{BB962C8B-B14F-4D97-AF65-F5344CB8AC3E}">
-        <p14:creationId xmlns:p14="http://schemas.microsoft.com/office/powerpoint/2010/main" val="4138726758"/>
+        <p14:creationId xmlns:p14="http://schemas.microsoft.com/office/powerpoint/2010/main" val="3583789628"/>
       </p:ext>
     </p:extLst>
   </p:cSld>
   <p:clrMapOvr>
     <a:masterClrMapping/>
   </p:clrMapOvr>
-  <p:timing>
-    <p:tnLst>
-      <p:par>
-        <p:cTn id="1" dur="indefinite" restart="never" nodeType="tmRoot"/>
-      </p:par>
-    </p:tnLst>
-  </p:timing>
 </p:sld>
 </file>
 

--- a/documentatie/Amstelhaege.pptx
+++ b/documentatie/Amstelhaege.pptx
@@ -22,7 +22,8 @@
     <p:sldId id="269" r:id="rId16"/>
     <p:sldId id="272" r:id="rId17"/>
     <p:sldId id="273" r:id="rId18"/>
-    <p:sldId id="274" r:id="rId19"/>
+    <p:sldId id="275" r:id="rId19"/>
+    <p:sldId id="274" r:id="rId20"/>
   </p:sldIdLst>
   <p:sldSz cx="12192000" cy="6858000"/>
   <p:notesSz cx="6858000" cy="9144000"/>
@@ -4246,35 +4247,139 @@
         </p:nvSpPr>
         <p:spPr/>
         <p:txBody>
-          <a:bodyPr/>
-          <a:lstStyle/>
-          <a:p>
-            <a:r>
-              <a:rPr lang="nl-NL" sz="6000" dirty="0" smtClean="0"/>
-              <a:t>Conclusie</a:t>
-            </a:r>
-            <a:endParaRPr lang="nl-NL" sz="6000" dirty="0"/>
-          </a:p>
-        </p:txBody>
-      </p:sp>
-      <p:sp>
-        <p:nvSpPr>
-          <p:cNvPr id="3" name="Tijdelijke aanduiding voor inhoud 2"/>
-          <p:cNvSpPr>
-            <a:spLocks noGrp="1"/>
-          </p:cNvSpPr>
-          <p:nvPr>
-            <p:ph idx="1"/>
-          </p:nvPr>
-        </p:nvSpPr>
-        <p:spPr/>
-        <p:txBody>
           <a:bodyPr>
             <a:normAutofit/>
           </a:bodyPr>
           <a:lstStyle/>
           <a:p>
             <a:r>
+              <a:rPr lang="en-US" sz="6000" dirty="0" err="1" smtClean="0"/>
+              <a:t>Conclusie</a:t>
+            </a:r>
+            <a:endParaRPr lang="en-US" sz="6000" dirty="0"/>
+          </a:p>
+        </p:txBody>
+      </p:sp>
+      <p:sp>
+        <p:nvSpPr>
+          <p:cNvPr id="3" name="Tijdelijke aanduiding voor inhoud 2"/>
+          <p:cNvSpPr>
+            <a:spLocks noGrp="1"/>
+          </p:cNvSpPr>
+          <p:nvPr>
+            <p:ph idx="1"/>
+          </p:nvPr>
+        </p:nvSpPr>
+        <p:spPr/>
+        <p:txBody>
+          <a:bodyPr/>
+          <a:lstStyle/>
+          <a:p>
+            <a:endParaRPr lang="en-US"/>
+          </a:p>
+        </p:txBody>
+      </p:sp>
+      <p:pic>
+        <p:nvPicPr>
+          <p:cNvPr id="4" name="Afbeelding 3"/>
+          <p:cNvPicPr>
+            <a:picLocks noChangeAspect="1"/>
+          </p:cNvPicPr>
+          <p:nvPr/>
+        </p:nvPicPr>
+        <p:blipFill>
+          <a:blip r:embed="rId2" cstate="print">
+            <a:extLst>
+              <a:ext uri="{28A0092B-C50C-407E-A947-70E740481C1C}">
+                <a14:useLocalDpi xmlns:a14="http://schemas.microsoft.com/office/drawing/2010/main" val="0"/>
+              </a:ext>
+            </a:extLst>
+          </a:blip>
+          <a:stretch>
+            <a:fillRect/>
+          </a:stretch>
+        </p:blipFill>
+        <p:spPr>
+          <a:xfrm>
+            <a:off x="2843777" y="1360196"/>
+            <a:ext cx="6504445" cy="5282195"/>
+          </a:xfrm>
+          <a:prstGeom prst="rect">
+            <a:avLst/>
+          </a:prstGeom>
+        </p:spPr>
+      </p:pic>
+    </p:spTree>
+    <p:extLst>
+      <p:ext uri="{BB962C8B-B14F-4D97-AF65-F5344CB8AC3E}">
+        <p14:creationId xmlns:p14="http://schemas.microsoft.com/office/powerpoint/2010/main" val="81078657"/>
+      </p:ext>
+    </p:extLst>
+  </p:cSld>
+  <p:clrMapOvr>
+    <a:masterClrMapping/>
+  </p:clrMapOvr>
+</p:sld>
+</file>
+
+<file path=ppt/slides/slide19.xml><?xml version="1.0" encoding="utf-8"?>
+<p:sld xmlns:a="http://schemas.openxmlformats.org/drawingml/2006/main" xmlns:r="http://schemas.openxmlformats.org/officeDocument/2006/relationships" xmlns:p="http://schemas.openxmlformats.org/presentationml/2006/main">
+  <p:cSld>
+    <p:spTree>
+      <p:nvGrpSpPr>
+        <p:cNvPr id="1" name=""/>
+        <p:cNvGrpSpPr/>
+        <p:nvPr/>
+      </p:nvGrpSpPr>
+      <p:grpSpPr>
+        <a:xfrm>
+          <a:off x="0" y="0"/>
+          <a:ext cx="0" cy="0"/>
+          <a:chOff x="0" y="0"/>
+          <a:chExt cx="0" cy="0"/>
+        </a:xfrm>
+      </p:grpSpPr>
+      <p:sp>
+        <p:nvSpPr>
+          <p:cNvPr id="2" name="Titel 1"/>
+          <p:cNvSpPr>
+            <a:spLocks noGrp="1"/>
+          </p:cNvSpPr>
+          <p:nvPr>
+            <p:ph type="title"/>
+          </p:nvPr>
+        </p:nvSpPr>
+        <p:spPr/>
+        <p:txBody>
+          <a:bodyPr/>
+          <a:lstStyle/>
+          <a:p>
+            <a:r>
+              <a:rPr lang="nl-NL" sz="6000" dirty="0" smtClean="0"/>
+              <a:t>Conclusie</a:t>
+            </a:r>
+            <a:endParaRPr lang="nl-NL" sz="6000" dirty="0"/>
+          </a:p>
+        </p:txBody>
+      </p:sp>
+      <p:sp>
+        <p:nvSpPr>
+          <p:cNvPr id="3" name="Tijdelijke aanduiding voor inhoud 2"/>
+          <p:cNvSpPr>
+            <a:spLocks noGrp="1"/>
+          </p:cNvSpPr>
+          <p:nvPr>
+            <p:ph idx="1"/>
+          </p:nvPr>
+        </p:nvSpPr>
+        <p:spPr/>
+        <p:txBody>
+          <a:bodyPr>
+            <a:normAutofit/>
+          </a:bodyPr>
+          <a:lstStyle/>
+          <a:p>
+            <a:r>
               <a:rPr lang="nl-NL" sz="3600" dirty="0" smtClean="0"/>
               <a:t>Schuiven-</a:t>
             </a:r>
@@ -4298,7 +4403,21 @@
             </a:r>
             <a:r>
               <a:rPr lang="nl-NL" sz="3600" dirty="0" smtClean="0"/>
-              <a:t> blijkt, zijn de andere algoritmes daarmee niet meteen ‘slechter’</a:t>
+              <a:t> blijkt, zijn de andere algoritmes daarmee niet meteen ‘slechter</a:t>
+            </a:r>
+            <a:r>
+              <a:rPr lang="nl-NL" sz="3600" dirty="0" smtClean="0"/>
+              <a:t>’</a:t>
+            </a:r>
+          </a:p>
+          <a:p>
+            <a:r>
+              <a:rPr lang="nl-NL" sz="3600" dirty="0" smtClean="0"/>
+              <a:t>Enkele uitkomst is niet representatief voor </a:t>
+            </a:r>
+            <a:r>
+              <a:rPr lang="nl-NL" sz="3600" smtClean="0"/>
+              <a:t>een algoritme</a:t>
             </a:r>
             <a:endParaRPr lang="nl-NL" sz="3600" dirty="0"/>
           </a:p>
